--- a/presentations/powerpoints/5_operators_and_operands.pptx
+++ b/presentations/powerpoints/5_operators_and_operands.pptx
@@ -5,7 +5,7 @@
     <p:sldMasterId id="2147483659" r:id="rId1"/>
   </p:sldMasterIdLst>
   <p:notesMasterIdLst>
-    <p:notesMasterId r:id="rId14"/>
+    <p:notesMasterId r:id="rId16"/>
   </p:notesMasterIdLst>
   <p:sldIdLst>
     <p:sldId id="286" r:id="rId2"/>
@@ -15,32 +15,34 @@
     <p:sldId id="303" r:id="rId6"/>
     <p:sldId id="304" r:id="rId7"/>
     <p:sldId id="305" r:id="rId8"/>
-    <p:sldId id="306" r:id="rId9"/>
-    <p:sldId id="297" r:id="rId10"/>
-    <p:sldId id="307" r:id="rId11"/>
-    <p:sldId id="308" r:id="rId12"/>
-    <p:sldId id="266" r:id="rId13"/>
+    <p:sldId id="310" r:id="rId9"/>
+    <p:sldId id="309" r:id="rId10"/>
+    <p:sldId id="306" r:id="rId11"/>
+    <p:sldId id="297" r:id="rId12"/>
+    <p:sldId id="307" r:id="rId13"/>
+    <p:sldId id="308" r:id="rId14"/>
+    <p:sldId id="266" r:id="rId15"/>
   </p:sldIdLst>
   <p:sldSz cx="18288000" cy="10287000"/>
   <p:notesSz cx="6858000" cy="9144000"/>
   <p:embeddedFontLst>
     <p:embeddedFont>
       <p:font typeface="Alfa Slab One" panose="020B0604020202020204" charset="0"/>
-      <p:regular r:id="rId15"/>
+      <p:regular r:id="rId17"/>
     </p:embeddedFont>
     <p:embeddedFont>
       <p:font typeface="Proxima Nova" panose="020B0604020202020204" charset="0"/>
-      <p:regular r:id="rId16"/>
-      <p:bold r:id="rId17"/>
-      <p:italic r:id="rId18"/>
-      <p:boldItalic r:id="rId19"/>
+      <p:regular r:id="rId18"/>
+      <p:bold r:id="rId19"/>
+      <p:italic r:id="rId20"/>
+      <p:boldItalic r:id="rId21"/>
     </p:embeddedFont>
     <p:embeddedFont>
       <p:font typeface="Roboto" panose="020B0604020202020204" charset="0"/>
-      <p:regular r:id="rId20"/>
-      <p:bold r:id="rId21"/>
-      <p:italic r:id="rId22"/>
-      <p:boldItalic r:id="rId23"/>
+      <p:regular r:id="rId22"/>
+      <p:bold r:id="rId23"/>
+      <p:italic r:id="rId24"/>
+      <p:boldItalic r:id="rId25"/>
     </p:embeddedFont>
   </p:embeddedFontLst>
   <p:defaultTextStyle>
@@ -940,7 +942,7 @@
     </p:spTree>
     <p:extLst>
       <p:ext uri="{BB962C8B-B14F-4D97-AF65-F5344CB8AC3E}">
-        <p14:creationId xmlns:p14="http://schemas.microsoft.com/office/powerpoint/2010/main" val="3216400011"/>
+        <p14:creationId xmlns:p14="http://schemas.microsoft.com/office/powerpoint/2010/main" val="373350271"/>
       </p:ext>
     </p:extLst>
   </p:cSld>
@@ -951,6 +953,115 @@
 </file>
 
 <file path=ppt/notesSlides/notesSlide11.xml><?xml version="1.0" encoding="utf-8"?>
+<p:notes xmlns:a="http://schemas.openxmlformats.org/drawingml/2006/main" xmlns:r="http://schemas.openxmlformats.org/officeDocument/2006/relationships" xmlns:p="http://schemas.openxmlformats.org/presentationml/2006/main" showMasterSp="0" showMasterPhAnim="0">
+  <p:cSld>
+    <p:spTree>
+      <p:nvGrpSpPr>
+        <p:cNvPr id="1" name="Shape 59"/>
+        <p:cNvGrpSpPr/>
+        <p:nvPr/>
+      </p:nvGrpSpPr>
+      <p:grpSpPr>
+        <a:xfrm>
+          <a:off x="0" y="0"/>
+          <a:ext cx="0" cy="0"/>
+          <a:chOff x="0" y="0"/>
+          <a:chExt cx="0" cy="0"/>
+        </a:xfrm>
+      </p:grpSpPr>
+      <p:sp>
+        <p:nvSpPr>
+          <p:cNvPr id="60" name="Google Shape;60;g4b42f3c750_0_7:notes"/>
+          <p:cNvSpPr>
+            <a:spLocks noGrp="1" noRot="1" noChangeAspect="1"/>
+          </p:cNvSpPr>
+          <p:nvPr>
+            <p:ph type="sldImg" idx="2"/>
+          </p:nvPr>
+        </p:nvSpPr>
+        <p:spPr>
+          <a:xfrm>
+            <a:off x="381000" y="685800"/>
+            <a:ext cx="6096000" cy="3429000"/>
+          </a:xfrm>
+          <a:custGeom>
+            <a:avLst/>
+            <a:gdLst/>
+            <a:ahLst/>
+            <a:cxnLst/>
+            <a:rect l="l" t="t" r="r" b="b"/>
+            <a:pathLst>
+              <a:path w="120000" h="120000" extrusionOk="0">
+                <a:moveTo>
+                  <a:pt x="0" y="0"/>
+                </a:moveTo>
+                <a:lnTo>
+                  <a:pt x="120000" y="0"/>
+                </a:lnTo>
+                <a:lnTo>
+                  <a:pt x="120000" y="120000"/>
+                </a:lnTo>
+                <a:lnTo>
+                  <a:pt x="0" y="120000"/>
+                </a:lnTo>
+                <a:close/>
+              </a:path>
+            </a:pathLst>
+          </a:custGeom>
+        </p:spPr>
+      </p:sp>
+      <p:sp>
+        <p:nvSpPr>
+          <p:cNvPr id="61" name="Google Shape;61;g4b42f3c750_0_7:notes"/>
+          <p:cNvSpPr txBox="1">
+            <a:spLocks noGrp="1"/>
+          </p:cNvSpPr>
+          <p:nvPr>
+            <p:ph type="body" idx="1"/>
+          </p:nvPr>
+        </p:nvSpPr>
+        <p:spPr>
+          <a:xfrm>
+            <a:off x="685800" y="4343400"/>
+            <a:ext cx="5486400" cy="4114800"/>
+          </a:xfrm>
+          <a:prstGeom prst="rect">
+            <a:avLst/>
+          </a:prstGeom>
+        </p:spPr>
+        <p:txBody>
+          <a:bodyPr spcFirstLastPara="1" wrap="square" lIns="91425" tIns="91425" rIns="91425" bIns="91425" anchor="t" anchorCtr="0">
+            <a:noAutofit/>
+          </a:bodyPr>
+          <a:lstStyle/>
+          <a:p>
+            <a:pPr marL="0" lvl="0" indent="0" algn="l" rtl="0">
+              <a:spcBef>
+                <a:spcPts val="0"/>
+              </a:spcBef>
+              <a:spcAft>
+                <a:spcPts val="0"/>
+              </a:spcAft>
+              <a:buNone/>
+            </a:pPr>
+            <a:endParaRPr/>
+          </a:p>
+        </p:txBody>
+      </p:sp>
+    </p:spTree>
+    <p:extLst>
+      <p:ext uri="{BB962C8B-B14F-4D97-AF65-F5344CB8AC3E}">
+        <p14:creationId xmlns:p14="http://schemas.microsoft.com/office/powerpoint/2010/main" val="2553522484"/>
+      </p:ext>
+    </p:extLst>
+  </p:cSld>
+  <p:clrMapOvr>
+    <a:masterClrMapping/>
+  </p:clrMapOvr>
+</p:notes>
+</file>
+
+<file path=ppt/notesSlides/notesSlide12.xml><?xml version="1.0" encoding="utf-8"?>
 <p:notes xmlns:a="http://schemas.openxmlformats.org/drawingml/2006/main" xmlns:r="http://schemas.openxmlformats.org/officeDocument/2006/relationships" xmlns:p="http://schemas.openxmlformats.org/presentationml/2006/main" showMasterSp="0" showMasterPhAnim="0">
   <p:cSld>
     <p:spTree>
@@ -1049,6 +1160,115 @@
     </p:spTree>
     <p:extLst>
       <p:ext uri="{BB962C8B-B14F-4D97-AF65-F5344CB8AC3E}">
+        <p14:creationId xmlns:p14="http://schemas.microsoft.com/office/powerpoint/2010/main" val="3216400011"/>
+      </p:ext>
+    </p:extLst>
+  </p:cSld>
+  <p:clrMapOvr>
+    <a:masterClrMapping/>
+  </p:clrMapOvr>
+</p:notes>
+</file>
+
+<file path=ppt/notesSlides/notesSlide13.xml><?xml version="1.0" encoding="utf-8"?>
+<p:notes xmlns:a="http://schemas.openxmlformats.org/drawingml/2006/main" xmlns:r="http://schemas.openxmlformats.org/officeDocument/2006/relationships" xmlns:p="http://schemas.openxmlformats.org/presentationml/2006/main" showMasterSp="0" showMasterPhAnim="0">
+  <p:cSld>
+    <p:spTree>
+      <p:nvGrpSpPr>
+        <p:cNvPr id="1" name="Shape 66"/>
+        <p:cNvGrpSpPr/>
+        <p:nvPr/>
+      </p:nvGrpSpPr>
+      <p:grpSpPr>
+        <a:xfrm>
+          <a:off x="0" y="0"/>
+          <a:ext cx="0" cy="0"/>
+          <a:chOff x="0" y="0"/>
+          <a:chExt cx="0" cy="0"/>
+        </a:xfrm>
+      </p:grpSpPr>
+      <p:sp>
+        <p:nvSpPr>
+          <p:cNvPr id="67" name="Google Shape;67;g4a28f45221_0_0:notes"/>
+          <p:cNvSpPr>
+            <a:spLocks noGrp="1" noRot="1" noChangeAspect="1"/>
+          </p:cNvSpPr>
+          <p:nvPr>
+            <p:ph type="sldImg" idx="2"/>
+          </p:nvPr>
+        </p:nvSpPr>
+        <p:spPr>
+          <a:xfrm>
+            <a:off x="381000" y="685800"/>
+            <a:ext cx="6096000" cy="3429000"/>
+          </a:xfrm>
+          <a:custGeom>
+            <a:avLst/>
+            <a:gdLst/>
+            <a:ahLst/>
+            <a:cxnLst/>
+            <a:rect l="l" t="t" r="r" b="b"/>
+            <a:pathLst>
+              <a:path w="120000" h="120000" extrusionOk="0">
+                <a:moveTo>
+                  <a:pt x="0" y="0"/>
+                </a:moveTo>
+                <a:lnTo>
+                  <a:pt x="120000" y="0"/>
+                </a:lnTo>
+                <a:lnTo>
+                  <a:pt x="120000" y="120000"/>
+                </a:lnTo>
+                <a:lnTo>
+                  <a:pt x="0" y="120000"/>
+                </a:lnTo>
+                <a:close/>
+              </a:path>
+            </a:pathLst>
+          </a:custGeom>
+        </p:spPr>
+      </p:sp>
+      <p:sp>
+        <p:nvSpPr>
+          <p:cNvPr id="68" name="Google Shape;68;g4a28f45221_0_0:notes"/>
+          <p:cNvSpPr txBox="1">
+            <a:spLocks noGrp="1"/>
+          </p:cNvSpPr>
+          <p:nvPr>
+            <p:ph type="body" idx="1"/>
+          </p:nvPr>
+        </p:nvSpPr>
+        <p:spPr>
+          <a:xfrm>
+            <a:off x="685800" y="4343400"/>
+            <a:ext cx="5486400" cy="4114800"/>
+          </a:xfrm>
+          <a:prstGeom prst="rect">
+            <a:avLst/>
+          </a:prstGeom>
+        </p:spPr>
+        <p:txBody>
+          <a:bodyPr spcFirstLastPara="1" wrap="square" lIns="91425" tIns="91425" rIns="91425" bIns="91425" anchor="t" anchorCtr="0">
+            <a:noAutofit/>
+          </a:bodyPr>
+          <a:lstStyle/>
+          <a:p>
+            <a:pPr marL="0" lvl="0" indent="0" algn="l" rtl="0">
+              <a:spcBef>
+                <a:spcPts val="0"/>
+              </a:spcBef>
+              <a:spcAft>
+                <a:spcPts val="0"/>
+              </a:spcAft>
+              <a:buNone/>
+            </a:pPr>
+            <a:endParaRPr/>
+          </a:p>
+        </p:txBody>
+      </p:sp>
+    </p:spTree>
+    <p:extLst>
+      <p:ext uri="{BB962C8B-B14F-4D97-AF65-F5344CB8AC3E}">
         <p14:creationId xmlns:p14="http://schemas.microsoft.com/office/powerpoint/2010/main" val="3548325898"/>
       </p:ext>
     </p:extLst>
@@ -1059,7 +1279,7 @@
 </p:notes>
 </file>
 
-<file path=ppt/notesSlides/notesSlide12.xml><?xml version="1.0" encoding="utf-8"?>
+<file path=ppt/notesSlides/notesSlide14.xml><?xml version="1.0" encoding="utf-8"?>
 <p:notes xmlns:a="http://schemas.openxmlformats.org/drawingml/2006/main" xmlns:r="http://schemas.openxmlformats.org/officeDocument/2006/relationships" xmlns:p="http://schemas.openxmlformats.org/presentationml/2006/main" showMasterSp="0" showMasterPhAnim="0">
   <p:cSld>
     <p:spTree>
@@ -1911,7 +2131,7 @@
     </p:spTree>
     <p:extLst>
       <p:ext uri="{BB962C8B-B14F-4D97-AF65-F5344CB8AC3E}">
-        <p14:creationId xmlns:p14="http://schemas.microsoft.com/office/powerpoint/2010/main" val="373350271"/>
+        <p14:creationId xmlns:p14="http://schemas.microsoft.com/office/powerpoint/2010/main" val="2439849544"/>
       </p:ext>
     </p:extLst>
   </p:cSld>
@@ -1926,7 +2146,7 @@
   <p:cSld>
     <p:spTree>
       <p:nvGrpSpPr>
-        <p:cNvPr id="1" name="Shape 59"/>
+        <p:cNvPr id="1" name="Shape 66"/>
         <p:cNvGrpSpPr/>
         <p:nvPr/>
       </p:nvGrpSpPr>
@@ -1940,7 +2160,7 @@
       </p:grpSpPr>
       <p:sp>
         <p:nvSpPr>
-          <p:cNvPr id="60" name="Google Shape;60;g4b42f3c750_0_7:notes"/>
+          <p:cNvPr id="67" name="Google Shape;67;g4a28f45221_0_0:notes"/>
           <p:cNvSpPr>
             <a:spLocks noGrp="1" noRot="1" noChangeAspect="1"/>
           </p:cNvSpPr>
@@ -1981,7 +2201,7 @@
       </p:sp>
       <p:sp>
         <p:nvSpPr>
-          <p:cNvPr id="61" name="Google Shape;61;g4b42f3c750_0_7:notes"/>
+          <p:cNvPr id="68" name="Google Shape;68;g4a28f45221_0_0:notes"/>
           <p:cNvSpPr txBox="1">
             <a:spLocks noGrp="1"/>
           </p:cNvSpPr>
@@ -2020,7 +2240,7 @@
     </p:spTree>
     <p:extLst>
       <p:ext uri="{BB962C8B-B14F-4D97-AF65-F5344CB8AC3E}">
-        <p14:creationId xmlns:p14="http://schemas.microsoft.com/office/powerpoint/2010/main" val="2553522484"/>
+        <p14:creationId xmlns:p14="http://schemas.microsoft.com/office/powerpoint/2010/main" val="3113928514"/>
       </p:ext>
     </p:extLst>
   </p:cSld>
@@ -7905,7 +8125,7 @@
           <a:p>
             <a:r>
               <a:rPr lang="en-US" dirty="0"/>
-              <a:t>Expressions</a:t>
+              <a:t>Operator Associativity</a:t>
             </a:r>
             <a:br>
               <a:rPr lang="en-US" dirty="0">
@@ -7968,7 +8188,7 @@
                   </a:schemeClr>
                 </a:solidFill>
               </a:rPr>
-              <a:t>Expression example: 5 + 3 * 3</a:t>
+              <a:t>What do we do with operators of the same precedence?</a:t>
             </a:r>
           </a:p>
           <a:p>
@@ -7985,12 +8205,20 @@
             <a:r>
               <a:rPr lang="en-US" dirty="0">
                 <a:solidFill>
+                  <a:schemeClr val="accent3"/>
+                </a:solidFill>
+              </a:rPr>
+              <a:t>Associativity</a:t>
+            </a:r>
+            <a:r>
+              <a:rPr lang="en-US" dirty="0">
+                <a:solidFill>
                   <a:schemeClr val="tx2">
                     <a:lumMod val="50000"/>
                   </a:schemeClr>
                 </a:solidFill>
               </a:rPr>
-              <a:t>An expression is a combination of one or more constants, variables, operators, and functions that Python </a:t>
+              <a:t> is the order in which an </a:t>
             </a:r>
             <a:r>
               <a:rPr lang="en-US" dirty="0">
@@ -7998,7 +8226,7 @@
                   <a:schemeClr val="accent3"/>
                 </a:solidFill>
               </a:rPr>
-              <a:t>evaluates</a:t>
+              <a:t>expression</a:t>
             </a:r>
             <a:r>
               <a:rPr lang="en-US" dirty="0">
@@ -8008,16 +8236,20 @@
                   </a:schemeClr>
                 </a:solidFill>
               </a:rPr>
-              <a:t> to produce a </a:t>
-            </a:r>
-            <a:r>
-              <a:rPr lang="en-US" dirty="0">
-                <a:solidFill>
-                  <a:schemeClr val="accent3"/>
-                </a:solidFill>
-              </a:rPr>
-              <a:t>NEW value</a:t>
-            </a:r>
+              <a:t> is evaluated that has multiple operators of the same precedence</a:t>
+            </a:r>
+          </a:p>
+          <a:p>
+            <a:pPr marL="571500" lvl="0" indent="-571500">
+              <a:spcBef>
+                <a:spcPts val="3200"/>
+              </a:spcBef>
+              <a:spcAft>
+                <a:spcPts val="600"/>
+              </a:spcAft>
+              <a:buFontTx/>
+              <a:buChar char="-"/>
+            </a:pPr>
             <a:r>
               <a:rPr lang="en-US" dirty="0">
                 <a:solidFill>
@@ -8026,7 +8258,7 @@
                   </a:schemeClr>
                 </a:solidFill>
               </a:rPr>
-              <a:t>.</a:t>
+              <a:t>Example: 5 + 5 – 5</a:t>
             </a:r>
           </a:p>
           <a:p>
@@ -8041,14 +8273,64 @@
               <a:buChar char="-"/>
             </a:pPr>
             <a:r>
-              <a:rPr lang="en-US" dirty="0">
+              <a:rPr lang="en-US" b="1" dirty="0">
                 <a:solidFill>
                   <a:schemeClr val="tx2">
                     <a:lumMod val="50000"/>
                   </a:schemeClr>
                 </a:solidFill>
               </a:rPr>
-              <a:t>5 + 3 * 3 is evaluated to produce the new value 14</a:t>
+              <a:t>Almost all operators in python have </a:t>
+            </a:r>
+            <a:r>
+              <a:rPr lang="en-US" dirty="0">
+                <a:solidFill>
+                  <a:schemeClr val="accent3"/>
+                </a:solidFill>
+              </a:rPr>
+              <a:t>left-to-right associativity</a:t>
+            </a:r>
+            <a:r>
+              <a:rPr lang="en-US" b="1" dirty="0">
+                <a:solidFill>
+                  <a:schemeClr val="tx2">
+                    <a:lumMod val="50000"/>
+                  </a:schemeClr>
+                </a:solidFill>
+              </a:rPr>
+              <a:t>. </a:t>
+            </a:r>
+            <a:r>
+              <a:rPr lang="en-US" dirty="0">
+                <a:solidFill>
+                  <a:schemeClr val="tx2">
+                    <a:lumMod val="50000"/>
+                  </a:schemeClr>
+                </a:solidFill>
+              </a:rPr>
+              <a:t>They will be evaluated from left to right.</a:t>
+            </a:r>
+          </a:p>
+          <a:p>
+            <a:pPr marL="571500" lvl="0" indent="-571500">
+              <a:spcBef>
+                <a:spcPts val="3200"/>
+              </a:spcBef>
+              <a:spcAft>
+                <a:spcPts val="600"/>
+              </a:spcAft>
+              <a:buFontTx/>
+              <a:buChar char="-"/>
+            </a:pPr>
+            <a:r>
+              <a:rPr lang="en-US" dirty="0">
+                <a:solidFill>
+                  <a:schemeClr val="tx2">
+                    <a:lumMod val="50000"/>
+                  </a:schemeClr>
+                </a:solidFill>
+              </a:rPr>
+              <a:t>Don’t worry too much about associativity, just know that is a thing</a:t>
             </a:r>
           </a:p>
           <a:p>
@@ -8208,40 +8490,10 @@
           </a:p>
         </p:txBody>
       </p:sp>
-      <p:pic>
-        <p:nvPicPr>
-          <p:cNvPr id="2" name="Picture 1">
-            <a:extLst>
-              <a:ext uri="{FF2B5EF4-FFF2-40B4-BE49-F238E27FC236}">
-                <a16:creationId xmlns:a16="http://schemas.microsoft.com/office/drawing/2014/main" id="{B3C95268-1E55-4CA9-A17F-7DA01AA30FE2}"/>
-              </a:ext>
-            </a:extLst>
-          </p:cNvPr>
-          <p:cNvPicPr>
-            <a:picLocks noChangeAspect="1"/>
-          </p:cNvPicPr>
-          <p:nvPr/>
-        </p:nvPicPr>
-        <p:blipFill>
-          <a:blip r:embed="rId3"/>
-          <a:stretch>
-            <a:fillRect/>
-          </a:stretch>
-        </p:blipFill>
-        <p:spPr>
-          <a:xfrm>
-            <a:off x="9363281" y="5655986"/>
-            <a:ext cx="7677919" cy="2494101"/>
-          </a:xfrm>
-          <a:prstGeom prst="rect">
-            <a:avLst/>
-          </a:prstGeom>
-        </p:spPr>
-      </p:pic>
     </p:spTree>
     <p:extLst>
       <p:ext uri="{BB962C8B-B14F-4D97-AF65-F5344CB8AC3E}">
-        <p14:creationId xmlns:p14="http://schemas.microsoft.com/office/powerpoint/2010/main" val="2721674741"/>
+        <p14:creationId xmlns:p14="http://schemas.microsoft.com/office/powerpoint/2010/main" val="2327201412"/>
       </p:ext>
     </p:extLst>
   </p:cSld>
@@ -8252,6 +8504,185 @@
 </file>
 
 <file path=ppt/slides/slide11.xml><?xml version="1.0" encoding="utf-8"?>
+<p:sld xmlns:a="http://schemas.openxmlformats.org/drawingml/2006/main" xmlns:r="http://schemas.openxmlformats.org/officeDocument/2006/relationships" xmlns:p="http://schemas.openxmlformats.org/presentationml/2006/main">
+  <p:cSld>
+    <p:spTree>
+      <p:nvGrpSpPr>
+        <p:cNvPr id="1" name="Shape 62"/>
+        <p:cNvGrpSpPr/>
+        <p:nvPr/>
+      </p:nvGrpSpPr>
+      <p:grpSpPr>
+        <a:xfrm>
+          <a:off x="0" y="0"/>
+          <a:ext cx="0" cy="0"/>
+          <a:chOff x="0" y="0"/>
+          <a:chExt cx="0" cy="0"/>
+        </a:xfrm>
+      </p:grpSpPr>
+      <p:sp>
+        <p:nvSpPr>
+          <p:cNvPr id="63" name="Google Shape;63;p14"/>
+          <p:cNvSpPr txBox="1">
+            <a:spLocks noGrp="1"/>
+          </p:cNvSpPr>
+          <p:nvPr>
+            <p:ph type="ctrTitle"/>
+          </p:nvPr>
+        </p:nvSpPr>
+        <p:spPr>
+          <a:xfrm>
+            <a:off x="623400" y="1191950"/>
+            <a:ext cx="17041200" cy="3915600"/>
+          </a:xfrm>
+          <a:prstGeom prst="rect">
+            <a:avLst/>
+          </a:prstGeom>
+        </p:spPr>
+        <p:txBody>
+          <a:bodyPr spcFirstLastPara="1" wrap="square" lIns="185400" tIns="185400" rIns="185400" bIns="185400" anchor="b" anchorCtr="0">
+            <a:noAutofit/>
+          </a:bodyPr>
+          <a:lstStyle/>
+          <a:p>
+            <a:pPr marL="0" lvl="0" indent="0" algn="ctr" rtl="0">
+              <a:lnSpc>
+                <a:spcPct val="115000"/>
+              </a:lnSpc>
+              <a:spcBef>
+                <a:spcPts val="0"/>
+              </a:spcBef>
+              <a:spcAft>
+                <a:spcPts val="0"/>
+              </a:spcAft>
+              <a:buNone/>
+            </a:pPr>
+            <a:r>
+              <a:rPr lang="en" dirty="0">
+                <a:latin typeface="Roboto"/>
+                <a:ea typeface="Roboto"/>
+                <a:cs typeface="Roboto"/>
+                <a:sym typeface="Roboto"/>
+              </a:rPr>
+              <a:t>Learn To Program With Python 3</a:t>
+            </a:r>
+            <a:endParaRPr dirty="0">
+              <a:latin typeface="Roboto"/>
+              <a:ea typeface="Roboto"/>
+              <a:cs typeface="Roboto"/>
+              <a:sym typeface="Roboto"/>
+            </a:endParaRPr>
+          </a:p>
+        </p:txBody>
+      </p:sp>
+      <p:sp>
+        <p:nvSpPr>
+          <p:cNvPr id="64" name="Google Shape;64;p14"/>
+          <p:cNvSpPr txBox="1">
+            <a:spLocks noGrp="1"/>
+          </p:cNvSpPr>
+          <p:nvPr>
+            <p:ph type="subTitle" idx="1"/>
+          </p:nvPr>
+        </p:nvSpPr>
+        <p:spPr>
+          <a:xfrm>
+            <a:off x="623400" y="6331646"/>
+            <a:ext cx="17041200" cy="1467000"/>
+          </a:xfrm>
+          <a:prstGeom prst="rect">
+            <a:avLst/>
+          </a:prstGeom>
+        </p:spPr>
+        <p:txBody>
+          <a:bodyPr spcFirstLastPara="1" wrap="square" lIns="185400" tIns="185400" rIns="185400" bIns="185400" anchor="t" anchorCtr="0">
+            <a:noAutofit/>
+          </a:bodyPr>
+          <a:lstStyle/>
+          <a:p>
+            <a:pPr marL="0" lvl="0" indent="0" algn="ctr" rtl="0">
+              <a:spcBef>
+                <a:spcPts val="0"/>
+              </a:spcBef>
+              <a:spcAft>
+                <a:spcPts val="0"/>
+              </a:spcAft>
+              <a:buClr>
+                <a:srgbClr val="000000"/>
+              </a:buClr>
+              <a:buSzPts val="1100"/>
+              <a:buFont typeface="Arial"/>
+              <a:buNone/>
+            </a:pPr>
+            <a:r>
+              <a:rPr lang="en-US" sz="9600" dirty="0"/>
+              <a:t>Expressions &amp; Statements</a:t>
+            </a:r>
+            <a:endParaRPr dirty="0"/>
+          </a:p>
+        </p:txBody>
+      </p:sp>
+      <p:sp>
+        <p:nvSpPr>
+          <p:cNvPr id="65" name="Google Shape;65;p14"/>
+          <p:cNvSpPr txBox="1">
+            <a:spLocks noGrp="1"/>
+          </p:cNvSpPr>
+          <p:nvPr>
+            <p:ph type="sldNum" idx="12"/>
+          </p:nvPr>
+        </p:nvSpPr>
+        <p:spPr>
+          <a:xfrm>
+            <a:off x="16944916" y="9326434"/>
+            <a:ext cx="1097400" cy="787200"/>
+          </a:xfrm>
+          <a:prstGeom prst="rect">
+            <a:avLst/>
+          </a:prstGeom>
+        </p:spPr>
+        <p:txBody>
+          <a:bodyPr spcFirstLastPara="1" wrap="square" lIns="185400" tIns="185400" rIns="185400" bIns="185400" anchor="ctr" anchorCtr="0">
+            <a:noAutofit/>
+          </a:bodyPr>
+          <a:lstStyle/>
+          <a:p>
+            <a:pPr marL="0" lvl="0" indent="0" algn="r" rtl="0">
+              <a:spcBef>
+                <a:spcPts val="0"/>
+              </a:spcBef>
+              <a:spcAft>
+                <a:spcPts val="0"/>
+              </a:spcAft>
+              <a:buClr>
+                <a:srgbClr val="000000"/>
+              </a:buClr>
+              <a:buSzPts val="1100"/>
+              <a:buFont typeface="Arial"/>
+              <a:buNone/>
+            </a:pPr>
+            <a:fld id="{00000000-1234-1234-1234-123412341234}" type="slidenum">
+              <a:rPr lang="en"/>
+              <a:t>11</a:t>
+            </a:fld>
+            <a:endParaRPr/>
+          </a:p>
+        </p:txBody>
+      </p:sp>
+    </p:spTree>
+    <p:extLst>
+      <p:ext uri="{BB962C8B-B14F-4D97-AF65-F5344CB8AC3E}">
+        <p14:creationId xmlns:p14="http://schemas.microsoft.com/office/powerpoint/2010/main" val="1350908589"/>
+      </p:ext>
+    </p:extLst>
+  </p:cSld>
+  <p:clrMapOvr>
+    <a:masterClrMapping/>
+  </p:clrMapOvr>
+</p:sld>
+</file>
+
+<file path=ppt/slides/slide12.xml><?xml version="1.0" encoding="utf-8"?>
 <p:sld xmlns:a="http://schemas.openxmlformats.org/drawingml/2006/main" xmlns:r="http://schemas.openxmlformats.org/officeDocument/2006/relationships" xmlns:p="http://schemas.openxmlformats.org/presentationml/2006/main">
   <p:cSld>
     <p:spTree>
@@ -8295,7 +8726,7 @@
           <a:p>
             <a:r>
               <a:rPr lang="en-US" dirty="0"/>
-              <a:t>Statement</a:t>
+              <a:t>Expressions</a:t>
             </a:r>
             <a:br>
               <a:rPr lang="en-US" dirty="0">
@@ -8358,7 +8789,7 @@
                   </a:schemeClr>
                 </a:solidFill>
               </a:rPr>
-              <a:t>A statement is a syntactic unit that expresses some action to be carried out.</a:t>
+              <a:t>Expression example: 5 + 3 * 3</a:t>
             </a:r>
           </a:p>
           <a:p>
@@ -8380,11 +8811,50 @@
                   </a:schemeClr>
                 </a:solidFill>
               </a:rPr>
-              <a:t>Examples we have seen:</a:t>
-            </a:r>
-          </a:p>
-          <a:p>
-            <a:pPr marL="1028700" lvl="1" indent="-571500">
+              <a:t>An expression is a combination of one or more constants, variables, operators, and functions that Python </a:t>
+            </a:r>
+            <a:r>
+              <a:rPr lang="en-US" dirty="0">
+                <a:solidFill>
+                  <a:schemeClr val="accent3"/>
+                </a:solidFill>
+              </a:rPr>
+              <a:t>evaluates</a:t>
+            </a:r>
+            <a:r>
+              <a:rPr lang="en-US" dirty="0">
+                <a:solidFill>
+                  <a:schemeClr val="tx2">
+                    <a:lumMod val="50000"/>
+                  </a:schemeClr>
+                </a:solidFill>
+              </a:rPr>
+              <a:t> to produce a </a:t>
+            </a:r>
+            <a:r>
+              <a:rPr lang="en-US" dirty="0">
+                <a:solidFill>
+                  <a:schemeClr val="accent3"/>
+                </a:solidFill>
+              </a:rPr>
+              <a:t>NEW value</a:t>
+            </a:r>
+            <a:r>
+              <a:rPr lang="en-US" dirty="0">
+                <a:solidFill>
+                  <a:schemeClr val="tx2">
+                    <a:lumMod val="50000"/>
+                  </a:schemeClr>
+                </a:solidFill>
+              </a:rPr>
+              <a:t>.</a:t>
+            </a:r>
+          </a:p>
+          <a:p>
+            <a:pPr marL="571500" lvl="0" indent="-571500">
+              <a:spcBef>
+                <a:spcPts val="3200"/>
+              </a:spcBef>
               <a:spcAft>
                 <a:spcPts val="600"/>
               </a:spcAft>
@@ -8399,96 +8869,8 @@
                   </a:schemeClr>
                 </a:solidFill>
               </a:rPr>
-              <a:t>print(“Hello World”) – Action: Print the string “Hello World” to the console.</a:t>
-            </a:r>
-          </a:p>
-          <a:p>
-            <a:pPr marL="1028700" lvl="1" indent="-571500">
-              <a:spcAft>
-                <a:spcPts val="600"/>
-              </a:spcAft>
-              <a:buFontTx/>
-              <a:buChar char="-"/>
-            </a:pPr>
-            <a:r>
-              <a:rPr lang="en-US" dirty="0">
-                <a:solidFill>
-                  <a:schemeClr val="tx2">
-                    <a:lumMod val="50000"/>
-                  </a:schemeClr>
-                </a:solidFill>
-              </a:rPr>
-              <a:t>my_variable = 5 – Action: Assign the value 5 to the variable my_variable</a:t>
-            </a:r>
-          </a:p>
-          <a:p>
-            <a:pPr marL="1028700" lvl="1" indent="-571500">
-              <a:spcAft>
-                <a:spcPts val="600"/>
-              </a:spcAft>
-              <a:buFontTx/>
-              <a:buChar char="-"/>
-            </a:pPr>
-            <a:endParaRPr lang="en-US" dirty="0">
-              <a:solidFill>
-                <a:schemeClr val="tx2">
-                  <a:lumMod val="50000"/>
-                </a:schemeClr>
-              </a:solidFill>
-            </a:endParaRPr>
-          </a:p>
-          <a:p>
-            <a:pPr marL="571500" indent="-571500">
-              <a:spcAft>
-                <a:spcPts val="600"/>
-              </a:spcAft>
-              <a:buFontTx/>
-              <a:buChar char="-"/>
-            </a:pPr>
-            <a:r>
-              <a:rPr lang="en-US" dirty="0">
-                <a:solidFill>
-                  <a:schemeClr val="tx2">
-                    <a:lumMod val="50000"/>
-                  </a:schemeClr>
-                </a:solidFill>
-              </a:rPr>
-              <a:t>Expressions evaluate to something (produce a new value)</a:t>
-            </a:r>
-          </a:p>
-          <a:p>
-            <a:pPr marL="571500" indent="-571500">
-              <a:spcAft>
-                <a:spcPts val="600"/>
-              </a:spcAft>
-              <a:buFontTx/>
-              <a:buChar char="-"/>
-            </a:pPr>
-            <a:r>
-              <a:rPr lang="en-US" dirty="0">
-                <a:solidFill>
-                  <a:schemeClr val="tx2">
-                    <a:lumMod val="50000"/>
-                  </a:schemeClr>
-                </a:solidFill>
-              </a:rPr>
-              <a:t>Statements do something (print to the console, assign a variable)</a:t>
-            </a:r>
-          </a:p>
-          <a:p>
-            <a:pPr marL="0" indent="0">
-              <a:spcAft>
-                <a:spcPts val="600"/>
-              </a:spcAft>
-              <a:buNone/>
-            </a:pPr>
-            <a:endParaRPr lang="en-US" dirty="0">
-              <a:solidFill>
-                <a:schemeClr val="tx2">
-                  <a:lumMod val="50000"/>
-                </a:schemeClr>
-              </a:solidFill>
-            </a:endParaRPr>
+              <a:t>5 + 3 * 3 is evaluated to produce the new value 14</a:t>
+            </a:r>
           </a:p>
           <a:p>
             <a:pPr marL="571500" lvl="0" indent="-571500">
@@ -8552,7 +8934,7 @@
             </a:pPr>
             <a:fld id="{00000000-1234-1234-1234-123412341234}" type="slidenum">
               <a:rPr lang="en"/>
-              <a:t>11</a:t>
+              <a:t>12</a:t>
             </a:fld>
             <a:endParaRPr/>
           </a:p>
@@ -8647,6 +9029,480 @@
           </a:p>
         </p:txBody>
       </p:sp>
+      <p:pic>
+        <p:nvPicPr>
+          <p:cNvPr id="2" name="Picture 1">
+            <a:extLst>
+              <a:ext uri="{FF2B5EF4-FFF2-40B4-BE49-F238E27FC236}">
+                <a16:creationId xmlns:a16="http://schemas.microsoft.com/office/drawing/2014/main" id="{B3C95268-1E55-4CA9-A17F-7DA01AA30FE2}"/>
+              </a:ext>
+            </a:extLst>
+          </p:cNvPr>
+          <p:cNvPicPr>
+            <a:picLocks noChangeAspect="1"/>
+          </p:cNvPicPr>
+          <p:nvPr/>
+        </p:nvPicPr>
+        <p:blipFill>
+          <a:blip r:embed="rId3"/>
+          <a:stretch>
+            <a:fillRect/>
+          </a:stretch>
+        </p:blipFill>
+        <p:spPr>
+          <a:xfrm>
+            <a:off x="9363281" y="6049733"/>
+            <a:ext cx="7677919" cy="2494101"/>
+          </a:xfrm>
+          <a:prstGeom prst="rect">
+            <a:avLst/>
+          </a:prstGeom>
+        </p:spPr>
+      </p:pic>
+      <p:sp>
+        <p:nvSpPr>
+          <p:cNvPr id="7" name="TextBox 6">
+            <a:extLst>
+              <a:ext uri="{FF2B5EF4-FFF2-40B4-BE49-F238E27FC236}">
+                <a16:creationId xmlns:a16="http://schemas.microsoft.com/office/drawing/2014/main" id="{029BE80E-274F-48C5-9EB5-7E9131B7C7C0}"/>
+              </a:ext>
+            </a:extLst>
+          </p:cNvPr>
+          <p:cNvSpPr txBox="1"/>
+          <p:nvPr/>
+        </p:nvSpPr>
+        <p:spPr>
+          <a:xfrm>
+            <a:off x="9363281" y="5607747"/>
+            <a:ext cx="4294909" cy="400110"/>
+          </a:xfrm>
+          <a:prstGeom prst="rect">
+            <a:avLst/>
+          </a:prstGeom>
+          <a:noFill/>
+        </p:spPr>
+        <p:txBody>
+          <a:bodyPr wrap="square" rtlCol="0">
+            <a:spAutoFit/>
+          </a:bodyPr>
+          <a:lstStyle/>
+          <a:p>
+            <a:r>
+              <a:rPr lang="en-US" sz="2000" dirty="0"/>
+              <a:t>Python interpreter example:</a:t>
+            </a:r>
+          </a:p>
+        </p:txBody>
+      </p:sp>
+    </p:spTree>
+    <p:extLst>
+      <p:ext uri="{BB962C8B-B14F-4D97-AF65-F5344CB8AC3E}">
+        <p14:creationId xmlns:p14="http://schemas.microsoft.com/office/powerpoint/2010/main" val="2721674741"/>
+      </p:ext>
+    </p:extLst>
+  </p:cSld>
+  <p:clrMapOvr>
+    <a:masterClrMapping/>
+  </p:clrMapOvr>
+</p:sld>
+</file>
+
+<file path=ppt/slides/slide13.xml><?xml version="1.0" encoding="utf-8"?>
+<p:sld xmlns:a="http://schemas.openxmlformats.org/drawingml/2006/main" xmlns:r="http://schemas.openxmlformats.org/officeDocument/2006/relationships" xmlns:p="http://schemas.openxmlformats.org/presentationml/2006/main">
+  <p:cSld>
+    <p:spTree>
+      <p:nvGrpSpPr>
+        <p:cNvPr id="1" name="Shape 69"/>
+        <p:cNvGrpSpPr/>
+        <p:nvPr/>
+      </p:nvGrpSpPr>
+      <p:grpSpPr>
+        <a:xfrm>
+          <a:off x="0" y="0"/>
+          <a:ext cx="0" cy="0"/>
+          <a:chOff x="0" y="0"/>
+          <a:chExt cx="0" cy="0"/>
+        </a:xfrm>
+      </p:grpSpPr>
+      <p:sp>
+        <p:nvSpPr>
+          <p:cNvPr id="70" name="Google Shape;70;p15"/>
+          <p:cNvSpPr txBox="1">
+            <a:spLocks noGrp="1"/>
+          </p:cNvSpPr>
+          <p:nvPr>
+            <p:ph type="title"/>
+          </p:nvPr>
+        </p:nvSpPr>
+        <p:spPr>
+          <a:xfrm>
+            <a:off x="0" y="0"/>
+            <a:ext cx="17041200" cy="1145400"/>
+          </a:xfrm>
+          <a:prstGeom prst="rect">
+            <a:avLst/>
+          </a:prstGeom>
+        </p:spPr>
+        <p:txBody>
+          <a:bodyPr spcFirstLastPara="1" wrap="square" lIns="185400" tIns="185400" rIns="185400" bIns="185400" anchor="t" anchorCtr="0">
+            <a:noAutofit/>
+          </a:bodyPr>
+          <a:lstStyle/>
+          <a:p>
+            <a:r>
+              <a:rPr lang="en-US" dirty="0"/>
+              <a:t>Statement</a:t>
+            </a:r>
+            <a:br>
+              <a:rPr lang="en-US" dirty="0">
+                <a:solidFill>
+                  <a:schemeClr val="tx2">
+                    <a:lumMod val="50000"/>
+                  </a:schemeClr>
+                </a:solidFill>
+              </a:rPr>
+            </a:br>
+            <a:endParaRPr dirty="0">
+              <a:latin typeface="Roboto"/>
+              <a:ea typeface="Roboto"/>
+              <a:cs typeface="Roboto"/>
+              <a:sym typeface="Roboto"/>
+            </a:endParaRPr>
+          </a:p>
+        </p:txBody>
+      </p:sp>
+      <p:sp>
+        <p:nvSpPr>
+          <p:cNvPr id="71" name="Google Shape;71;p15"/>
+          <p:cNvSpPr txBox="1">
+            <a:spLocks noGrp="1"/>
+          </p:cNvSpPr>
+          <p:nvPr>
+            <p:ph type="body" idx="1"/>
+          </p:nvPr>
+        </p:nvSpPr>
+        <p:spPr>
+          <a:xfrm>
+            <a:off x="65774" y="1210250"/>
+            <a:ext cx="17758399" cy="7269900"/>
+          </a:xfrm>
+          <a:prstGeom prst="rect">
+            <a:avLst/>
+          </a:prstGeom>
+        </p:spPr>
+        <p:txBody>
+          <a:bodyPr spcFirstLastPara="1" wrap="square" lIns="185400" tIns="185400" rIns="185400" bIns="185400" anchor="t" anchorCtr="0">
+            <a:noAutofit/>
+          </a:bodyPr>
+          <a:lstStyle/>
+          <a:p>
+            <a:pPr marL="571500" lvl="0" indent="-571500">
+              <a:spcBef>
+                <a:spcPts val="3200"/>
+              </a:spcBef>
+              <a:spcAft>
+                <a:spcPts val="600"/>
+              </a:spcAft>
+              <a:buFontTx/>
+              <a:buChar char="-"/>
+            </a:pPr>
+            <a:r>
+              <a:rPr lang="en-US" dirty="0">
+                <a:solidFill>
+                  <a:schemeClr val="tx2">
+                    <a:lumMod val="50000"/>
+                  </a:schemeClr>
+                </a:solidFill>
+              </a:rPr>
+              <a:t>A statement is a syntactic unit that expresses some action to be carried out.</a:t>
+            </a:r>
+          </a:p>
+          <a:p>
+            <a:pPr marL="571500" lvl="0" indent="-571500">
+              <a:spcBef>
+                <a:spcPts val="3200"/>
+              </a:spcBef>
+              <a:spcAft>
+                <a:spcPts val="600"/>
+              </a:spcAft>
+              <a:buFontTx/>
+              <a:buChar char="-"/>
+            </a:pPr>
+            <a:r>
+              <a:rPr lang="en-US" dirty="0">
+                <a:solidFill>
+                  <a:schemeClr val="tx2">
+                    <a:lumMod val="50000"/>
+                  </a:schemeClr>
+                </a:solidFill>
+              </a:rPr>
+              <a:t>Examples we have seen:</a:t>
+            </a:r>
+          </a:p>
+          <a:p>
+            <a:pPr marL="1028700" lvl="1" indent="-571500">
+              <a:spcAft>
+                <a:spcPts val="600"/>
+              </a:spcAft>
+              <a:buFontTx/>
+              <a:buChar char="-"/>
+            </a:pPr>
+            <a:r>
+              <a:rPr lang="en-US" dirty="0">
+                <a:solidFill>
+                  <a:schemeClr val="tx2">
+                    <a:lumMod val="50000"/>
+                  </a:schemeClr>
+                </a:solidFill>
+              </a:rPr>
+              <a:t>print(“Hello World”) – Action: Print the string “Hello World” to the console.</a:t>
+            </a:r>
+          </a:p>
+          <a:p>
+            <a:pPr marL="1028700" lvl="1" indent="-571500">
+              <a:spcAft>
+                <a:spcPts val="600"/>
+              </a:spcAft>
+              <a:buFontTx/>
+              <a:buChar char="-"/>
+            </a:pPr>
+            <a:r>
+              <a:rPr lang="en-US" dirty="0">
+                <a:solidFill>
+                  <a:schemeClr val="tx2">
+                    <a:lumMod val="50000"/>
+                  </a:schemeClr>
+                </a:solidFill>
+              </a:rPr>
+              <a:t>my_variable = 5 – Action: Assign the value 5 to the variable my_variable</a:t>
+            </a:r>
+          </a:p>
+          <a:p>
+            <a:pPr marL="1028700" lvl="1" indent="-571500">
+              <a:spcAft>
+                <a:spcPts val="600"/>
+              </a:spcAft>
+              <a:buFontTx/>
+              <a:buChar char="-"/>
+            </a:pPr>
+            <a:endParaRPr lang="en-US" dirty="0">
+              <a:solidFill>
+                <a:schemeClr val="tx2">
+                  <a:lumMod val="50000"/>
+                </a:schemeClr>
+              </a:solidFill>
+            </a:endParaRPr>
+          </a:p>
+          <a:p>
+            <a:pPr marL="571500" indent="-571500">
+              <a:spcAft>
+                <a:spcPts val="600"/>
+              </a:spcAft>
+              <a:buFontTx/>
+              <a:buChar char="-"/>
+            </a:pPr>
+            <a:r>
+              <a:rPr lang="en-US" dirty="0">
+                <a:solidFill>
+                  <a:schemeClr val="tx2">
+                    <a:lumMod val="50000"/>
+                  </a:schemeClr>
+                </a:solidFill>
+              </a:rPr>
+              <a:t>Expressions evaluate to something (produce a new value)</a:t>
+            </a:r>
+          </a:p>
+          <a:p>
+            <a:pPr marL="571500" indent="-571500">
+              <a:spcAft>
+                <a:spcPts val="600"/>
+              </a:spcAft>
+              <a:buFontTx/>
+              <a:buChar char="-"/>
+            </a:pPr>
+            <a:r>
+              <a:rPr lang="en-US" dirty="0">
+                <a:solidFill>
+                  <a:schemeClr val="tx2">
+                    <a:lumMod val="50000"/>
+                  </a:schemeClr>
+                </a:solidFill>
+              </a:rPr>
+              <a:t>Statements do something (print to the console, assign a variable)</a:t>
+            </a:r>
+          </a:p>
+          <a:p>
+            <a:pPr marL="0" indent="0">
+              <a:spcAft>
+                <a:spcPts val="600"/>
+              </a:spcAft>
+              <a:buNone/>
+            </a:pPr>
+            <a:endParaRPr lang="en-US" dirty="0">
+              <a:solidFill>
+                <a:schemeClr val="tx2">
+                  <a:lumMod val="50000"/>
+                </a:schemeClr>
+              </a:solidFill>
+            </a:endParaRPr>
+          </a:p>
+          <a:p>
+            <a:pPr marL="571500" lvl="0" indent="-571500">
+              <a:spcBef>
+                <a:spcPts val="3200"/>
+              </a:spcBef>
+              <a:spcAft>
+                <a:spcPts val="600"/>
+              </a:spcAft>
+              <a:buFontTx/>
+              <a:buChar char="-"/>
+            </a:pPr>
+            <a:endParaRPr lang="en-US" dirty="0">
+              <a:solidFill>
+                <a:schemeClr val="tx2">
+                  <a:lumMod val="50000"/>
+                </a:schemeClr>
+              </a:solidFill>
+            </a:endParaRPr>
+          </a:p>
+        </p:txBody>
+      </p:sp>
+      <p:sp>
+        <p:nvSpPr>
+          <p:cNvPr id="72" name="Google Shape;72;p15"/>
+          <p:cNvSpPr txBox="1">
+            <a:spLocks noGrp="1"/>
+          </p:cNvSpPr>
+          <p:nvPr>
+            <p:ph type="sldNum" idx="12"/>
+          </p:nvPr>
+        </p:nvSpPr>
+        <p:spPr>
+          <a:xfrm>
+            <a:off x="16944916" y="9326434"/>
+            <a:ext cx="1097400" cy="787200"/>
+          </a:xfrm>
+          <a:prstGeom prst="rect">
+            <a:avLst/>
+          </a:prstGeom>
+        </p:spPr>
+        <p:txBody>
+          <a:bodyPr spcFirstLastPara="1" wrap="square" lIns="185400" tIns="185400" rIns="185400" bIns="185400" anchor="ctr" anchorCtr="0">
+            <a:noAutofit/>
+          </a:bodyPr>
+          <a:lstStyle/>
+          <a:p>
+            <a:pPr marL="0" lvl="0" indent="0" algn="r" rtl="0">
+              <a:spcBef>
+                <a:spcPts val="0"/>
+              </a:spcBef>
+              <a:spcAft>
+                <a:spcPts val="0"/>
+              </a:spcAft>
+              <a:buClr>
+                <a:srgbClr val="000000"/>
+              </a:buClr>
+              <a:buSzPts val="1100"/>
+              <a:buFont typeface="Arial"/>
+              <a:buNone/>
+            </a:pPr>
+            <a:fld id="{00000000-1234-1234-1234-123412341234}" type="slidenum">
+              <a:rPr lang="en"/>
+              <a:t>13</a:t>
+            </a:fld>
+            <a:endParaRPr/>
+          </a:p>
+        </p:txBody>
+      </p:sp>
+      <p:sp>
+        <p:nvSpPr>
+          <p:cNvPr id="74" name="Google Shape;74;p15"/>
+          <p:cNvSpPr txBox="1">
+            <a:spLocks noGrp="1"/>
+          </p:cNvSpPr>
+          <p:nvPr>
+            <p:ph type="subTitle" idx="4294967295"/>
+          </p:nvPr>
+        </p:nvSpPr>
+        <p:spPr>
+          <a:xfrm>
+            <a:off x="0" y="9262750"/>
+            <a:ext cx="18288000" cy="1024200"/>
+          </a:xfrm>
+          <a:prstGeom prst="rect">
+            <a:avLst/>
+          </a:prstGeom>
+        </p:spPr>
+        <p:txBody>
+          <a:bodyPr spcFirstLastPara="1" wrap="square" lIns="185400" tIns="185400" rIns="185400" bIns="185400" anchor="b" anchorCtr="0">
+            <a:noAutofit/>
+          </a:bodyPr>
+          <a:lstStyle/>
+          <a:p>
+            <a:pPr marL="0" lvl="0" indent="0" algn="ctr" rtl="0">
+              <a:lnSpc>
+                <a:spcPct val="100000"/>
+              </a:lnSpc>
+              <a:spcBef>
+                <a:spcPts val="0"/>
+              </a:spcBef>
+              <a:spcAft>
+                <a:spcPts val="0"/>
+              </a:spcAft>
+              <a:buNone/>
+            </a:pPr>
+            <a:r>
+              <a:rPr lang="en" sz="2400" dirty="0"/>
+              <a:t>Learn </a:t>
+            </a:r>
+            <a:r>
+              <a:rPr lang="en" sz="2400" dirty="0">
+                <a:solidFill>
+                  <a:schemeClr val="accent3"/>
+                </a:solidFill>
+              </a:rPr>
+              <a:t>Full Stack</a:t>
+            </a:r>
+            <a:r>
+              <a:rPr lang="en" sz="2400" dirty="0"/>
+              <a:t> Web Development</a:t>
+            </a:r>
+            <a:endParaRPr sz="2400" dirty="0"/>
+          </a:p>
+          <a:p>
+            <a:pPr marL="0" lvl="0" indent="0" algn="ctr" rtl="0">
+              <a:lnSpc>
+                <a:spcPct val="100000"/>
+              </a:lnSpc>
+              <a:spcBef>
+                <a:spcPts val="0"/>
+              </a:spcBef>
+              <a:spcAft>
+                <a:spcPts val="0"/>
+              </a:spcAft>
+              <a:buNone/>
+            </a:pPr>
+            <a:r>
+              <a:rPr lang="en" sz="2000" b="1" dirty="0">
+                <a:solidFill>
+                  <a:schemeClr val="accent3"/>
+                </a:solidFill>
+                <a:latin typeface="Roboto"/>
+                <a:ea typeface="Roboto"/>
+                <a:cs typeface="Roboto"/>
+                <a:sym typeface="Roboto"/>
+              </a:rPr>
+              <a:t>www.projectfullstack.com</a:t>
+            </a:r>
+            <a:endParaRPr sz="2000" b="1" dirty="0">
+              <a:latin typeface="Roboto"/>
+              <a:ea typeface="Roboto"/>
+              <a:cs typeface="Roboto"/>
+              <a:sym typeface="Roboto"/>
+            </a:endParaRPr>
+          </a:p>
+        </p:txBody>
+      </p:sp>
     </p:spTree>
     <p:extLst>
       <p:ext uri="{BB962C8B-B14F-4D97-AF65-F5344CB8AC3E}">
@@ -8660,7 +9516,7 @@
 </p:sld>
 </file>
 
-<file path=ppt/slides/slide12.xml><?xml version="1.0" encoding="utf-8"?>
+<file path=ppt/slides/slide14.xml><?xml version="1.0" encoding="utf-8"?>
 <p:sld xmlns:a="http://schemas.openxmlformats.org/drawingml/2006/main" xmlns:r="http://schemas.openxmlformats.org/officeDocument/2006/relationships" xmlns:p="http://schemas.openxmlformats.org/presentationml/2006/main">
   <p:cSld>
     <p:spTree>
@@ -8868,7 +9724,7 @@
             </a:pPr>
             <a:fld id="{00000000-1234-1234-1234-123412341234}" type="slidenum">
               <a:rPr lang="en"/>
-              <a:t>12</a:t>
+              <a:t>14</a:t>
             </a:fld>
             <a:endParaRPr/>
           </a:p>
@@ -8938,9 +9794,6 @@
               <a:t>Operators</a:t>
             </a:r>
             <a:endParaRPr dirty="0">
-              <a:latin typeface="Roboto"/>
-              <a:ea typeface="Roboto"/>
-              <a:cs typeface="Roboto"/>
               <a:sym typeface="Roboto"/>
             </a:endParaRPr>
           </a:p>
@@ -9114,7 +9967,25 @@
                   </a:schemeClr>
                 </a:solidFill>
               </a:rPr>
-              <a:t>Logic – checks if two statements are true/false (10 &gt; 5 and 5 &lt; 6) </a:t>
+              <a:t>Logic – checks if two statements are true/false (10 &gt; 5 </a:t>
+            </a:r>
+            <a:r>
+              <a:rPr lang="en-US" dirty="0">
+                <a:solidFill>
+                  <a:schemeClr val="accent3"/>
+                </a:solidFill>
+              </a:rPr>
+              <a:t>and</a:t>
+            </a:r>
+            <a:r>
+              <a:rPr lang="en-US" dirty="0">
+                <a:solidFill>
+                  <a:schemeClr val="tx2">
+                    <a:lumMod val="50000"/>
+                  </a:schemeClr>
+                </a:solidFill>
+              </a:rPr>
+              <a:t> 5 &lt; 6) </a:t>
             </a:r>
           </a:p>
           <a:p>
@@ -12623,8 +13494,8 @@
         </p:nvSpPr>
         <p:spPr>
           <a:xfrm>
-            <a:off x="65774" y="1210250"/>
-            <a:ext cx="17758399" cy="7269900"/>
+            <a:off x="65775" y="1210250"/>
+            <a:ext cx="10713062" cy="7269900"/>
           </a:xfrm>
           <a:prstGeom prst="rect">
             <a:avLst/>
@@ -12654,6 +13525,45 @@
                   </a:schemeClr>
                 </a:solidFill>
               </a:rPr>
+              <a:t>See the example code to the right (done using the </a:t>
+            </a:r>
+            <a:r>
+              <a:rPr lang="en-US" dirty="0" err="1">
+                <a:solidFill>
+                  <a:schemeClr val="tx2">
+                    <a:lumMod val="50000"/>
+                  </a:schemeClr>
+                </a:solidFill>
+              </a:rPr>
+              <a:t>Pyton</a:t>
+            </a:r>
+            <a:r>
+              <a:rPr lang="en-US" dirty="0">
+                <a:solidFill>
+                  <a:schemeClr val="tx2">
+                    <a:lumMod val="50000"/>
+                  </a:schemeClr>
+                </a:solidFill>
+              </a:rPr>
+              <a:t> interpreter) </a:t>
+            </a:r>
+          </a:p>
+          <a:p>
+            <a:pPr marL="1028700" lvl="1" indent="-571500">
+              <a:spcBef>
+                <a:spcPts val="0"/>
+              </a:spcBef>
+              <a:buFontTx/>
+              <a:buChar char="-"/>
+            </a:pPr>
+            <a:r>
+              <a:rPr lang="en-US" dirty="0">
+                <a:solidFill>
+                  <a:schemeClr val="tx2">
+                    <a:lumMod val="50000"/>
+                  </a:schemeClr>
+                </a:solidFill>
+              </a:rPr>
               <a:t>Operators: = , + , &gt;</a:t>
             </a:r>
           </a:p>
@@ -12774,9 +13684,7 @@
             <a:r>
               <a:rPr lang="en-US" dirty="0">
                 <a:solidFill>
-                  <a:schemeClr val="tx2">
-                    <a:lumMod val="50000"/>
-                  </a:schemeClr>
+                  <a:schemeClr val="accent3"/>
                 </a:solidFill>
               </a:rPr>
               <a:t>Assignment is done last</a:t>
@@ -13000,7 +13908,7 @@
         </p:blipFill>
         <p:spPr>
           <a:xfrm>
-            <a:off x="9144000" y="2662151"/>
+            <a:off x="10729934" y="3029226"/>
             <a:ext cx="7312382" cy="1694616"/>
           </a:xfrm>
           <a:prstGeom prst="rect">
@@ -13008,6 +13916,41 @@
           </a:prstGeom>
         </p:spPr>
       </p:pic>
+      <p:sp>
+        <p:nvSpPr>
+          <p:cNvPr id="2" name="TextBox 1">
+            <a:extLst>
+              <a:ext uri="{FF2B5EF4-FFF2-40B4-BE49-F238E27FC236}">
+                <a16:creationId xmlns:a16="http://schemas.microsoft.com/office/drawing/2014/main" id="{ACBBB679-CB1A-4372-AFFB-9079819F16A6}"/>
+              </a:ext>
+            </a:extLst>
+          </p:cNvPr>
+          <p:cNvSpPr txBox="1"/>
+          <p:nvPr/>
+        </p:nvSpPr>
+        <p:spPr>
+          <a:xfrm>
+            <a:off x="10729934" y="2629116"/>
+            <a:ext cx="4294909" cy="400110"/>
+          </a:xfrm>
+          <a:prstGeom prst="rect">
+            <a:avLst/>
+          </a:prstGeom>
+          <a:noFill/>
+        </p:spPr>
+        <p:txBody>
+          <a:bodyPr wrap="square" rtlCol="0">
+            <a:spAutoFit/>
+          </a:bodyPr>
+          <a:lstStyle/>
+          <a:p>
+            <a:r>
+              <a:rPr lang="en-US" sz="2000" dirty="0"/>
+              <a:t>Python interpreter example:</a:t>
+            </a:r>
+          </a:p>
+        </p:txBody>
+      </p:sp>
     </p:spTree>
     <p:extLst>
       <p:ext uri="{BB962C8B-B14F-4D97-AF65-F5344CB8AC3E}">
@@ -13065,8 +14008,386 @@
           <a:p>
             <a:r>
               <a:rPr lang="en-US" dirty="0"/>
-              <a:t>Operator Associativity</a:t>
-            </a:r>
+              <a:t>Operator Precedence: Assignment Operator</a:t>
+            </a:r>
+            <a:br>
+              <a:rPr lang="en-US" dirty="0">
+                <a:solidFill>
+                  <a:schemeClr val="tx2">
+                    <a:lumMod val="50000"/>
+                  </a:schemeClr>
+                </a:solidFill>
+              </a:rPr>
+            </a:br>
+            <a:endParaRPr dirty="0">
+              <a:latin typeface="Roboto"/>
+              <a:ea typeface="Roboto"/>
+              <a:cs typeface="Roboto"/>
+              <a:sym typeface="Roboto"/>
+            </a:endParaRPr>
+          </a:p>
+        </p:txBody>
+      </p:sp>
+      <p:sp>
+        <p:nvSpPr>
+          <p:cNvPr id="71" name="Google Shape;71;p15"/>
+          <p:cNvSpPr txBox="1">
+            <a:spLocks noGrp="1"/>
+          </p:cNvSpPr>
+          <p:nvPr>
+            <p:ph type="body" idx="1"/>
+          </p:nvPr>
+        </p:nvSpPr>
+        <p:spPr>
+          <a:xfrm>
+            <a:off x="65774" y="1210250"/>
+            <a:ext cx="17571062" cy="7269900"/>
+          </a:xfrm>
+          <a:prstGeom prst="rect">
+            <a:avLst/>
+          </a:prstGeom>
+        </p:spPr>
+        <p:txBody>
+          <a:bodyPr spcFirstLastPara="1" wrap="square" lIns="185400" tIns="185400" rIns="185400" bIns="185400" anchor="t" anchorCtr="0">
+            <a:noAutofit/>
+          </a:bodyPr>
+          <a:lstStyle/>
+          <a:p>
+            <a:pPr marL="571500" lvl="0" indent="-571500">
+              <a:spcBef>
+                <a:spcPts val="3200"/>
+              </a:spcBef>
+              <a:spcAft>
+                <a:spcPts val="600"/>
+              </a:spcAft>
+              <a:buFontTx/>
+              <a:buChar char="-"/>
+            </a:pPr>
+            <a:r>
+              <a:rPr lang="en-US" dirty="0">
+                <a:solidFill>
+                  <a:schemeClr val="tx2">
+                    <a:lumMod val="50000"/>
+                  </a:schemeClr>
+                </a:solidFill>
+              </a:rPr>
+              <a:t>Look at the code below.</a:t>
+            </a:r>
+          </a:p>
+          <a:p>
+            <a:pPr marL="571500" lvl="0" indent="-571500">
+              <a:spcBef>
+                <a:spcPts val="3200"/>
+              </a:spcBef>
+              <a:spcAft>
+                <a:spcPts val="600"/>
+              </a:spcAft>
+              <a:buFontTx/>
+              <a:buChar char="-"/>
+            </a:pPr>
+            <a:r>
+              <a:rPr lang="en-US" dirty="0">
+                <a:solidFill>
+                  <a:schemeClr val="tx2">
+                    <a:lumMod val="50000"/>
+                  </a:schemeClr>
+                </a:solidFill>
+              </a:rPr>
+              <a:t>There are two new things we see</a:t>
+            </a:r>
+          </a:p>
+          <a:p>
+            <a:pPr marL="1028700" lvl="1" indent="-571500">
+              <a:spcBef>
+                <a:spcPts val="0"/>
+              </a:spcBef>
+              <a:spcAft>
+                <a:spcPts val="600"/>
+              </a:spcAft>
+              <a:buFontTx/>
+              <a:buChar char="-"/>
+            </a:pPr>
+            <a:r>
+              <a:rPr lang="en-US" dirty="0">
+                <a:solidFill>
+                  <a:schemeClr val="tx2">
+                    <a:lumMod val="50000"/>
+                  </a:schemeClr>
+                </a:solidFill>
+              </a:rPr>
+              <a:t>Line 2 &amp; 4 - Using the </a:t>
+            </a:r>
+            <a:r>
+              <a:rPr lang="en-US" dirty="0">
+                <a:solidFill>
+                  <a:schemeClr val="accent3"/>
+                </a:solidFill>
+              </a:rPr>
+              <a:t>comma to separate strings and integers</a:t>
+            </a:r>
+            <a:r>
+              <a:rPr lang="en-US" dirty="0">
+                <a:solidFill>
+                  <a:schemeClr val="tx2">
+                    <a:lumMod val="50000"/>
+                  </a:schemeClr>
+                </a:solidFill>
+              </a:rPr>
+              <a:t> in a print statement – Why a comma?</a:t>
+            </a:r>
+          </a:p>
+          <a:p>
+            <a:pPr marL="1028700" lvl="1" indent="-571500">
+              <a:spcBef>
+                <a:spcPts val="0"/>
+              </a:spcBef>
+              <a:spcAft>
+                <a:spcPts val="600"/>
+              </a:spcAft>
+              <a:buFontTx/>
+              <a:buChar char="-"/>
+            </a:pPr>
+            <a:r>
+              <a:rPr lang="en-US" dirty="0">
+                <a:solidFill>
+                  <a:schemeClr val="tx2">
+                    <a:lumMod val="50000"/>
+                  </a:schemeClr>
+                </a:solidFill>
+              </a:rPr>
+              <a:t> Line 3 – The variable name appears twice on the same line – Why?</a:t>
+            </a:r>
+          </a:p>
+        </p:txBody>
+      </p:sp>
+      <p:sp>
+        <p:nvSpPr>
+          <p:cNvPr id="72" name="Google Shape;72;p15"/>
+          <p:cNvSpPr txBox="1">
+            <a:spLocks noGrp="1"/>
+          </p:cNvSpPr>
+          <p:nvPr>
+            <p:ph type="sldNum" idx="12"/>
+          </p:nvPr>
+        </p:nvSpPr>
+        <p:spPr>
+          <a:xfrm>
+            <a:off x="16944916" y="9326434"/>
+            <a:ext cx="1097400" cy="787200"/>
+          </a:xfrm>
+          <a:prstGeom prst="rect">
+            <a:avLst/>
+          </a:prstGeom>
+        </p:spPr>
+        <p:txBody>
+          <a:bodyPr spcFirstLastPara="1" wrap="square" lIns="185400" tIns="185400" rIns="185400" bIns="185400" anchor="ctr" anchorCtr="0">
+            <a:noAutofit/>
+          </a:bodyPr>
+          <a:lstStyle/>
+          <a:p>
+            <a:pPr marL="0" lvl="0" indent="0" algn="r" rtl="0">
+              <a:spcBef>
+                <a:spcPts val="0"/>
+              </a:spcBef>
+              <a:spcAft>
+                <a:spcPts val="0"/>
+              </a:spcAft>
+              <a:buClr>
+                <a:srgbClr val="000000"/>
+              </a:buClr>
+              <a:buSzPts val="1100"/>
+              <a:buFont typeface="Arial"/>
+              <a:buNone/>
+            </a:pPr>
+            <a:fld id="{00000000-1234-1234-1234-123412341234}" type="slidenum">
+              <a:rPr lang="en"/>
+              <a:t>8</a:t>
+            </a:fld>
+            <a:endParaRPr/>
+          </a:p>
+        </p:txBody>
+      </p:sp>
+      <p:sp>
+        <p:nvSpPr>
+          <p:cNvPr id="74" name="Google Shape;74;p15"/>
+          <p:cNvSpPr txBox="1">
+            <a:spLocks noGrp="1"/>
+          </p:cNvSpPr>
+          <p:nvPr>
+            <p:ph type="subTitle" idx="4294967295"/>
+          </p:nvPr>
+        </p:nvSpPr>
+        <p:spPr>
+          <a:xfrm>
+            <a:off x="0" y="9262750"/>
+            <a:ext cx="18288000" cy="1024200"/>
+          </a:xfrm>
+          <a:prstGeom prst="rect">
+            <a:avLst/>
+          </a:prstGeom>
+        </p:spPr>
+        <p:txBody>
+          <a:bodyPr spcFirstLastPara="1" wrap="square" lIns="185400" tIns="185400" rIns="185400" bIns="185400" anchor="b" anchorCtr="0">
+            <a:noAutofit/>
+          </a:bodyPr>
+          <a:lstStyle/>
+          <a:p>
+            <a:pPr marL="0" lvl="0" indent="0" algn="ctr" rtl="0">
+              <a:lnSpc>
+                <a:spcPct val="100000"/>
+              </a:lnSpc>
+              <a:spcBef>
+                <a:spcPts val="0"/>
+              </a:spcBef>
+              <a:spcAft>
+                <a:spcPts val="0"/>
+              </a:spcAft>
+              <a:buNone/>
+            </a:pPr>
+            <a:r>
+              <a:rPr lang="en" sz="2400" dirty="0"/>
+              <a:t>Learn </a:t>
+            </a:r>
+            <a:r>
+              <a:rPr lang="en" sz="2400" dirty="0">
+                <a:solidFill>
+                  <a:schemeClr val="accent3"/>
+                </a:solidFill>
+              </a:rPr>
+              <a:t>Full Stack</a:t>
+            </a:r>
+            <a:r>
+              <a:rPr lang="en" sz="2400" dirty="0"/>
+              <a:t> Web Development</a:t>
+            </a:r>
+            <a:endParaRPr sz="2400" dirty="0"/>
+          </a:p>
+          <a:p>
+            <a:pPr marL="0" lvl="0" indent="0" algn="ctr" rtl="0">
+              <a:lnSpc>
+                <a:spcPct val="100000"/>
+              </a:lnSpc>
+              <a:spcBef>
+                <a:spcPts val="0"/>
+              </a:spcBef>
+              <a:spcAft>
+                <a:spcPts val="0"/>
+              </a:spcAft>
+              <a:buNone/>
+            </a:pPr>
+            <a:r>
+              <a:rPr lang="en" sz="2000" b="1" dirty="0">
+                <a:solidFill>
+                  <a:schemeClr val="accent3"/>
+                </a:solidFill>
+                <a:latin typeface="Roboto"/>
+                <a:ea typeface="Roboto"/>
+                <a:cs typeface="Roboto"/>
+                <a:sym typeface="Roboto"/>
+              </a:rPr>
+              <a:t>www.projectfullstack.com</a:t>
+            </a:r>
+            <a:endParaRPr sz="2000" b="1" dirty="0">
+              <a:latin typeface="Roboto"/>
+              <a:ea typeface="Roboto"/>
+              <a:cs typeface="Roboto"/>
+              <a:sym typeface="Roboto"/>
+            </a:endParaRPr>
+          </a:p>
+        </p:txBody>
+      </p:sp>
+      <p:pic>
+        <p:nvPicPr>
+          <p:cNvPr id="4" name="Picture 3">
+            <a:extLst>
+              <a:ext uri="{FF2B5EF4-FFF2-40B4-BE49-F238E27FC236}">
+                <a16:creationId xmlns:a16="http://schemas.microsoft.com/office/drawing/2014/main" id="{3E0F9089-E9D7-4806-BB87-49E255D16BCA}"/>
+              </a:ext>
+            </a:extLst>
+          </p:cNvPr>
+          <p:cNvPicPr>
+            <a:picLocks noChangeAspect="1"/>
+          </p:cNvPicPr>
+          <p:nvPr/>
+        </p:nvPicPr>
+        <p:blipFill>
+          <a:blip r:embed="rId3"/>
+          <a:stretch>
+            <a:fillRect/>
+          </a:stretch>
+        </p:blipFill>
+        <p:spPr>
+          <a:xfrm>
+            <a:off x="2304679" y="4977192"/>
+            <a:ext cx="14093041" cy="3610408"/>
+          </a:xfrm>
+          <a:prstGeom prst="rect">
+            <a:avLst/>
+          </a:prstGeom>
+        </p:spPr>
+      </p:pic>
+    </p:spTree>
+    <p:extLst>
+      <p:ext uri="{BB962C8B-B14F-4D97-AF65-F5344CB8AC3E}">
+        <p14:creationId xmlns:p14="http://schemas.microsoft.com/office/powerpoint/2010/main" val="688752454"/>
+      </p:ext>
+    </p:extLst>
+  </p:cSld>
+  <p:clrMapOvr>
+    <a:masterClrMapping/>
+  </p:clrMapOvr>
+</p:sld>
+</file>
+
+<file path=ppt/slides/slide9.xml><?xml version="1.0" encoding="utf-8"?>
+<p:sld xmlns:a="http://schemas.openxmlformats.org/drawingml/2006/main" xmlns:r="http://schemas.openxmlformats.org/officeDocument/2006/relationships" xmlns:p="http://schemas.openxmlformats.org/presentationml/2006/main">
+  <p:cSld>
+    <p:spTree>
+      <p:nvGrpSpPr>
+        <p:cNvPr id="1" name="Shape 69"/>
+        <p:cNvGrpSpPr/>
+        <p:nvPr/>
+      </p:nvGrpSpPr>
+      <p:grpSpPr>
+        <a:xfrm>
+          <a:off x="0" y="0"/>
+          <a:ext cx="0" cy="0"/>
+          <a:chOff x="0" y="0"/>
+          <a:chExt cx="0" cy="0"/>
+        </a:xfrm>
+      </p:grpSpPr>
+      <p:sp>
+        <p:nvSpPr>
+          <p:cNvPr id="70" name="Google Shape;70;p15"/>
+          <p:cNvSpPr txBox="1">
+            <a:spLocks noGrp="1"/>
+          </p:cNvSpPr>
+          <p:nvPr>
+            <p:ph type="title"/>
+          </p:nvPr>
+        </p:nvSpPr>
+        <p:spPr>
+          <a:xfrm>
+            <a:off x="0" y="0"/>
+            <a:ext cx="17041200" cy="1145400"/>
+          </a:xfrm>
+          <a:prstGeom prst="rect">
+            <a:avLst/>
+          </a:prstGeom>
+        </p:spPr>
+        <p:txBody>
+          <a:bodyPr spcFirstLastPara="1" wrap="square" lIns="185400" tIns="185400" rIns="185400" bIns="185400" anchor="t" anchorCtr="0">
+            <a:noAutofit/>
+          </a:bodyPr>
+          <a:lstStyle/>
+          <a:p>
+            <a:r>
+              <a:rPr lang="en-US" dirty="0"/>
+              <a:t>Assignment is done last</a:t>
+            </a:r>
+            <a:br>
+              <a:rPr lang="en-US" dirty="0"/>
+            </a:br>
             <a:br>
               <a:rPr lang="en-US" dirty="0">
                 <a:solidFill>
@@ -13128,7 +14449,7 @@
                   </a:schemeClr>
                 </a:solidFill>
               </a:rPr>
-              <a:t>What do we do with operators of the same precedence?</a:t>
+              <a:t>This is the most important slide of this presentation!</a:t>
             </a:r>
           </a:p>
           <a:p>
@@ -13145,152 +14466,13 @@
             <a:r>
               <a:rPr lang="en-US" dirty="0">
                 <a:solidFill>
-                  <a:schemeClr val="accent3"/>
-                </a:solidFill>
-              </a:rPr>
-              <a:t>Associativity</a:t>
-            </a:r>
-            <a:r>
-              <a:rPr lang="en-US" dirty="0">
-                <a:solidFill>
                   <a:schemeClr val="tx2">
                     <a:lumMod val="50000"/>
                   </a:schemeClr>
                 </a:solidFill>
               </a:rPr>
-              <a:t> is the order in which an </a:t>
-            </a:r>
-            <a:r>
-              <a:rPr lang="en-US" dirty="0">
-                <a:solidFill>
-                  <a:schemeClr val="accent3"/>
-                </a:solidFill>
-              </a:rPr>
-              <a:t>expression</a:t>
-            </a:r>
-            <a:r>
-              <a:rPr lang="en-US" dirty="0">
-                <a:solidFill>
-                  <a:schemeClr val="tx2">
-                    <a:lumMod val="50000"/>
-                  </a:schemeClr>
-                </a:solidFill>
-              </a:rPr>
-              <a:t> is evaluated that has multiple operators of the same precedence</a:t>
-            </a:r>
-          </a:p>
-          <a:p>
-            <a:pPr marL="571500" lvl="0" indent="-571500">
-              <a:spcBef>
-                <a:spcPts val="3200"/>
-              </a:spcBef>
-              <a:spcAft>
-                <a:spcPts val="600"/>
-              </a:spcAft>
-              <a:buFontTx/>
-              <a:buChar char="-"/>
-            </a:pPr>
-            <a:r>
-              <a:rPr lang="en-US" dirty="0">
-                <a:solidFill>
-                  <a:schemeClr val="tx2">
-                    <a:lumMod val="50000"/>
-                  </a:schemeClr>
-                </a:solidFill>
-              </a:rPr>
-              <a:t>Example: 5 + 5 – 5</a:t>
-            </a:r>
-          </a:p>
-          <a:p>
-            <a:pPr marL="571500" lvl="0" indent="-571500">
-              <a:spcBef>
-                <a:spcPts val="3200"/>
-              </a:spcBef>
-              <a:spcAft>
-                <a:spcPts val="600"/>
-              </a:spcAft>
-              <a:buFontTx/>
-              <a:buChar char="-"/>
-            </a:pPr>
-            <a:r>
-              <a:rPr lang="en-US" b="1" dirty="0">
-                <a:solidFill>
-                  <a:schemeClr val="tx2">
-                    <a:lumMod val="50000"/>
-                  </a:schemeClr>
-                </a:solidFill>
-              </a:rPr>
-              <a:t>Almost all operators in python have </a:t>
-            </a:r>
-            <a:r>
-              <a:rPr lang="en-US" dirty="0">
-                <a:solidFill>
-                  <a:schemeClr val="accent3"/>
-                </a:solidFill>
-              </a:rPr>
-              <a:t>left-to-right associativity</a:t>
-            </a:r>
-            <a:r>
-              <a:rPr lang="en-US" b="1" dirty="0">
-                <a:solidFill>
-                  <a:schemeClr val="tx2">
-                    <a:lumMod val="50000"/>
-                  </a:schemeClr>
-                </a:solidFill>
-              </a:rPr>
-              <a:t>. </a:t>
-            </a:r>
-            <a:r>
-              <a:rPr lang="en-US" dirty="0">
-                <a:solidFill>
-                  <a:schemeClr val="tx2">
-                    <a:lumMod val="50000"/>
-                  </a:schemeClr>
-                </a:solidFill>
-              </a:rPr>
-              <a:t>They will be evaluated from left to right.</a:t>
-            </a:r>
-          </a:p>
-          <a:p>
-            <a:pPr marL="571500" lvl="0" indent="-571500">
-              <a:spcBef>
-                <a:spcPts val="3200"/>
-              </a:spcBef>
-              <a:spcAft>
-                <a:spcPts val="600"/>
-              </a:spcAft>
-              <a:buFontTx/>
-              <a:buChar char="-"/>
-            </a:pPr>
-            <a:r>
-              <a:rPr lang="en-US" dirty="0">
-                <a:solidFill>
-                  <a:schemeClr val="tx2">
-                    <a:lumMod val="50000"/>
-                  </a:schemeClr>
-                </a:solidFill>
-              </a:rPr>
-              <a:t>Don’t worry too much about associativity, just know that is a thing</a:t>
-            </a:r>
-          </a:p>
-          <a:p>
-            <a:pPr marL="571500" lvl="0" indent="-571500">
-              <a:spcBef>
-                <a:spcPts val="3200"/>
-              </a:spcBef>
-              <a:spcAft>
-                <a:spcPts val="600"/>
-              </a:spcAft>
-              <a:buFontTx/>
-              <a:buChar char="-"/>
-            </a:pPr>
-            <a:endParaRPr lang="en-US" dirty="0">
-              <a:solidFill>
-                <a:schemeClr val="tx2">
-                  <a:lumMod val="50000"/>
-                </a:schemeClr>
-              </a:solidFill>
-            </a:endParaRPr>
+              <a:t>Because assignment is done last, everything to the right of the assignment operator will be evaluated FIRST, and then that evaluated value will be assigned to the variable LAST.</a:t>
+            </a:r>
           </a:p>
         </p:txBody>
       </p:sp>
@@ -13335,7 +14517,7 @@
             </a:pPr>
             <a:fld id="{00000000-1234-1234-1234-123412341234}" type="slidenum">
               <a:rPr lang="en"/>
-              <a:t>8</a:t>
+              <a:t>9</a:t>
             </a:fld>
             <a:endParaRPr/>
           </a:p>
@@ -13430,189 +14612,70 @@
           </a:p>
         </p:txBody>
       </p:sp>
-    </p:spTree>
-    <p:extLst>
-      <p:ext uri="{BB962C8B-B14F-4D97-AF65-F5344CB8AC3E}">
-        <p14:creationId xmlns:p14="http://schemas.microsoft.com/office/powerpoint/2010/main" val="2327201412"/>
-      </p:ext>
-    </p:extLst>
-  </p:cSld>
-  <p:clrMapOvr>
-    <a:masterClrMapping/>
-  </p:clrMapOvr>
-</p:sld>
-</file>
-
-<file path=ppt/slides/slide9.xml><?xml version="1.0" encoding="utf-8"?>
-<p:sld xmlns:a="http://schemas.openxmlformats.org/drawingml/2006/main" xmlns:r="http://schemas.openxmlformats.org/officeDocument/2006/relationships" xmlns:p="http://schemas.openxmlformats.org/presentationml/2006/main">
-  <p:cSld>
-    <p:spTree>
-      <p:nvGrpSpPr>
-        <p:cNvPr id="1" name="Shape 62"/>
-        <p:cNvGrpSpPr/>
-        <p:nvPr/>
-      </p:nvGrpSpPr>
-      <p:grpSpPr>
-        <a:xfrm>
-          <a:off x="0" y="0"/>
-          <a:ext cx="0" cy="0"/>
-          <a:chOff x="0" y="0"/>
-          <a:chExt cx="0" cy="0"/>
-        </a:xfrm>
-      </p:grpSpPr>
-      <p:sp>
-        <p:nvSpPr>
-          <p:cNvPr id="63" name="Google Shape;63;p14"/>
-          <p:cNvSpPr txBox="1">
-            <a:spLocks noGrp="1"/>
-          </p:cNvSpPr>
-          <p:nvPr>
-            <p:ph type="ctrTitle"/>
-          </p:nvPr>
-        </p:nvSpPr>
+      <p:pic>
+        <p:nvPicPr>
+          <p:cNvPr id="8" name="Picture 7">
+            <a:extLst>
+              <a:ext uri="{FF2B5EF4-FFF2-40B4-BE49-F238E27FC236}">
+                <a16:creationId xmlns:a16="http://schemas.microsoft.com/office/drawing/2014/main" id="{E30B1F91-F618-4DEE-BDF8-973E9008D5A9}"/>
+              </a:ext>
+            </a:extLst>
+          </p:cNvPr>
+          <p:cNvPicPr>
+            <a:picLocks noChangeAspect="1"/>
+          </p:cNvPicPr>
+          <p:nvPr/>
+        </p:nvPicPr>
+        <p:blipFill>
+          <a:blip r:embed="rId3"/>
+          <a:stretch>
+            <a:fillRect/>
+          </a:stretch>
+        </p:blipFill>
         <p:spPr>
           <a:xfrm>
-            <a:off x="623400" y="1191950"/>
-            <a:ext cx="17041200" cy="3915600"/>
+            <a:off x="5250873" y="4450719"/>
+            <a:ext cx="11105284" cy="2844993"/>
           </a:xfrm>
           <a:prstGeom prst="rect">
             <a:avLst/>
           </a:prstGeom>
         </p:spPr>
-        <p:txBody>
-          <a:bodyPr spcFirstLastPara="1" wrap="square" lIns="185400" tIns="185400" rIns="185400" bIns="185400" anchor="b" anchorCtr="0">
-            <a:noAutofit/>
-          </a:bodyPr>
-          <a:lstStyle/>
-          <a:p>
-            <a:pPr marL="0" lvl="0" indent="0" algn="ctr" rtl="0">
-              <a:lnSpc>
-                <a:spcPct val="115000"/>
-              </a:lnSpc>
-              <a:spcBef>
-                <a:spcPts val="0"/>
-              </a:spcBef>
-              <a:spcAft>
-                <a:spcPts val="0"/>
-              </a:spcAft>
-              <a:buNone/>
-            </a:pPr>
-            <a:r>
-              <a:rPr lang="en" dirty="0">
-                <a:latin typeface="Roboto"/>
-                <a:ea typeface="Roboto"/>
-                <a:cs typeface="Roboto"/>
-                <a:sym typeface="Roboto"/>
-              </a:rPr>
-              <a:t>Learn To Program With Python 3</a:t>
-            </a:r>
-            <a:endParaRPr dirty="0">
-              <a:latin typeface="Roboto"/>
-              <a:ea typeface="Roboto"/>
-              <a:cs typeface="Roboto"/>
-              <a:sym typeface="Roboto"/>
-            </a:endParaRPr>
-          </a:p>
-        </p:txBody>
-      </p:sp>
-      <p:sp>
-        <p:nvSpPr>
-          <p:cNvPr id="64" name="Google Shape;64;p14"/>
-          <p:cNvSpPr txBox="1">
-            <a:spLocks noGrp="1"/>
-          </p:cNvSpPr>
-          <p:nvPr>
-            <p:ph type="subTitle" idx="1"/>
-          </p:nvPr>
-        </p:nvSpPr>
+      </p:pic>
+      <p:pic>
+        <p:nvPicPr>
+          <p:cNvPr id="3" name="Picture 2">
+            <a:extLst>
+              <a:ext uri="{FF2B5EF4-FFF2-40B4-BE49-F238E27FC236}">
+                <a16:creationId xmlns:a16="http://schemas.microsoft.com/office/drawing/2014/main" id="{82F060E5-E7F6-4FAE-917C-ACA021BD80AE}"/>
+              </a:ext>
+            </a:extLst>
+          </p:cNvPr>
+          <p:cNvPicPr>
+            <a:picLocks noChangeAspect="1"/>
+          </p:cNvPicPr>
+          <p:nvPr/>
+        </p:nvPicPr>
+        <p:blipFill>
+          <a:blip r:embed="rId4"/>
+          <a:stretch>
+            <a:fillRect/>
+          </a:stretch>
+        </p:blipFill>
         <p:spPr>
           <a:xfrm>
-            <a:off x="623400" y="6331646"/>
-            <a:ext cx="17041200" cy="1467000"/>
+            <a:off x="2555180" y="7489539"/>
+            <a:ext cx="12503410" cy="1773211"/>
           </a:xfrm>
           <a:prstGeom prst="rect">
             <a:avLst/>
           </a:prstGeom>
         </p:spPr>
-        <p:txBody>
-          <a:bodyPr spcFirstLastPara="1" wrap="square" lIns="185400" tIns="185400" rIns="185400" bIns="185400" anchor="t" anchorCtr="0">
-            <a:noAutofit/>
-          </a:bodyPr>
-          <a:lstStyle/>
-          <a:p>
-            <a:pPr marL="0" lvl="0" indent="0" algn="ctr" rtl="0">
-              <a:spcBef>
-                <a:spcPts val="0"/>
-              </a:spcBef>
-              <a:spcAft>
-                <a:spcPts val="0"/>
-              </a:spcAft>
-              <a:buClr>
-                <a:srgbClr val="000000"/>
-              </a:buClr>
-              <a:buSzPts val="1100"/>
-              <a:buFont typeface="Arial"/>
-              <a:buNone/>
-            </a:pPr>
-            <a:r>
-              <a:rPr lang="en-US" sz="9600" dirty="0"/>
-              <a:t>Expressions &amp; Statements</a:t>
-            </a:r>
-            <a:endParaRPr dirty="0"/>
-          </a:p>
-        </p:txBody>
-      </p:sp>
-      <p:sp>
-        <p:nvSpPr>
-          <p:cNvPr id="65" name="Google Shape;65;p14"/>
-          <p:cNvSpPr txBox="1">
-            <a:spLocks noGrp="1"/>
-          </p:cNvSpPr>
-          <p:nvPr>
-            <p:ph type="sldNum" idx="12"/>
-          </p:nvPr>
-        </p:nvSpPr>
-        <p:spPr>
-          <a:xfrm>
-            <a:off x="16944916" y="9326434"/>
-            <a:ext cx="1097400" cy="787200"/>
-          </a:xfrm>
-          <a:prstGeom prst="rect">
-            <a:avLst/>
-          </a:prstGeom>
-        </p:spPr>
-        <p:txBody>
-          <a:bodyPr spcFirstLastPara="1" wrap="square" lIns="185400" tIns="185400" rIns="185400" bIns="185400" anchor="ctr" anchorCtr="0">
-            <a:noAutofit/>
-          </a:bodyPr>
-          <a:lstStyle/>
-          <a:p>
-            <a:pPr marL="0" lvl="0" indent="0" algn="r" rtl="0">
-              <a:spcBef>
-                <a:spcPts val="0"/>
-              </a:spcBef>
-              <a:spcAft>
-                <a:spcPts val="0"/>
-              </a:spcAft>
-              <a:buClr>
-                <a:srgbClr val="000000"/>
-              </a:buClr>
-              <a:buSzPts val="1100"/>
-              <a:buFont typeface="Arial"/>
-              <a:buNone/>
-            </a:pPr>
-            <a:fld id="{00000000-1234-1234-1234-123412341234}" type="slidenum">
-              <a:rPr lang="en"/>
-              <a:t>9</a:t>
-            </a:fld>
-            <a:endParaRPr/>
-          </a:p>
-        </p:txBody>
-      </p:sp>
+      </p:pic>
     </p:spTree>
     <p:extLst>
       <p:ext uri="{BB962C8B-B14F-4D97-AF65-F5344CB8AC3E}">
-        <p14:creationId xmlns:p14="http://schemas.microsoft.com/office/powerpoint/2010/main" val="1350908589"/>
+        <p14:creationId xmlns:p14="http://schemas.microsoft.com/office/powerpoint/2010/main" val="3144453658"/>
       </p:ext>
     </p:extLst>
   </p:cSld>
